--- a/project/期末專案企劃_陳志榮_GPU購物小幫手_B2B_security_report.pptx
+++ b/project/期末專案企劃_陳志榮_GPU購物小幫手_B2B_security_report.pptx
@@ -3588,19 +3588,7 @@
               <a:rPr lang="zh-TW" altLang="en-US" dirty="0" smtClean="0">
                 <a:ea typeface="DFKai-SB" panose="03000509000000000000" pitchFamily="49" charset="-120"/>
               </a:rPr>
-              <a:t>資安</a:t>
-            </a:r>
-            <a:r>
-              <a:rPr lang="zh-TW" altLang="en-US" dirty="0" smtClean="0">
-                <a:ea typeface="DFKai-SB" panose="03000509000000000000" pitchFamily="49" charset="-120"/>
-              </a:rPr>
-              <a:t>系統架構</a:t>
-            </a:r>
-            <a:r>
-              <a:rPr lang="zh-TW" altLang="en-US" dirty="0" smtClean="0">
-                <a:ea typeface="DFKai-SB" panose="03000509000000000000" pitchFamily="49" charset="-120"/>
-              </a:rPr>
-              <a:t>設計</a:t>
+              <a:t>資安系統架構設計</a:t>
             </a:r>
             <a:endParaRPr lang="en-TW" dirty="0">
               <a:ea typeface="DFKai-SB" panose="03000509000000000000" pitchFamily="49" charset="-120"/>
@@ -5857,7 +5845,25 @@
               <a:rPr lang="zh-TW" altLang="en-US" dirty="0" smtClean="0">
                 <a:ea typeface="DFKai-SB" panose="03000509000000000000" pitchFamily="49" charset="-120"/>
               </a:rPr>
-              <a:t>設計：</a:t>
+              <a:t>設計</a:t>
+            </a:r>
+            <a:r>
+              <a:rPr lang="zh-TW" altLang="en-US" dirty="0" smtClean="0">
+                <a:ea typeface="DFKai-SB" panose="03000509000000000000" pitchFamily="49" charset="-120"/>
+              </a:rPr>
+              <a:t>：</a:t>
+            </a:r>
+            <a:r>
+              <a:rPr lang="en-US" altLang="zh-TW" dirty="0" smtClean="0">
+                <a:ea typeface="DFKai-SB" panose="03000509000000000000" pitchFamily="49" charset="-120"/>
+              </a:rPr>
+              <a:t>Anonymous</a:t>
+            </a:r>
+            <a:r>
+              <a:rPr lang="zh-TW" altLang="en-US" dirty="0" smtClean="0">
+                <a:ea typeface="DFKai-SB" panose="03000509000000000000" pitchFamily="49" charset="-120"/>
+              </a:rPr>
+              <a:t>、</a:t>
             </a:r>
             <a:r>
               <a:rPr lang="en-US" altLang="zh-TW" dirty="0" smtClean="0">
